--- a/paper/xjx/展示.pptx
+++ b/paper/xjx/展示.pptx
@@ -223,7 +223,7 @@
           <a:p>
             <a:fld id="{989EAB32-AD09-F04E-83BB-8791625811A0}" type="datetimeFigureOut">
               <a:rPr kumimoji="1" lang="zh-CN" altLang="en-US" smtClean="0"/>
-              <a:t>2018/6/16</a:t>
+              <a:t>2018/6/17</a:t>
             </a:fld>
             <a:endParaRPr kumimoji="1" lang="zh-CN" altLang="en-US"/>
           </a:p>
@@ -9365,7 +9365,7 @@
           <p:nvPr>
             <p:extLst>
               <p:ext uri="{D42A27DB-BD31-4B8C-83A1-F6EECF244321}">
-                <p14:modId xmlns:p14="http://schemas.microsoft.com/office/powerpoint/2010/main" val="3588000485"/>
+                <p14:modId xmlns:p14="http://schemas.microsoft.com/office/powerpoint/2010/main" val="4081216206"/>
               </p:ext>
             </p:extLst>
           </p:nvPr>
@@ -9661,12 +9661,14 @@
                         </a:spcAft>
                       </a:pPr>
                       <a:r>
-                        <a:rPr lang="en-US" sz="2000" kern="0">
+                        <a:rPr lang="en-US" altLang="zh-CN" sz="2000" kern="0" dirty="0">
                           <a:effectLst/>
+                          <a:latin typeface="Times New Roman" panose="02020603050405020304" pitchFamily="18" charset="0"/>
+                          <a:ea typeface="宋体" panose="02010600030101010101" pitchFamily="2" charset="-122"/>
                         </a:rPr>
-                        <a:t>4</a:t>
+                        <a:t>3</a:t>
                       </a:r>
-                      <a:endParaRPr lang="zh-CN" sz="2000" kern="100">
+                      <a:endParaRPr lang="zh-CN" sz="2000" kern="100" dirty="0">
                         <a:effectLst/>
                         <a:latin typeface="Times New Roman" panose="02020603050405020304" pitchFamily="18" charset="0"/>
                         <a:ea typeface="宋体" panose="02010600030101010101" pitchFamily="2" charset="-122"/>
@@ -9743,12 +9745,14 @@
                         </a:spcAft>
                       </a:pPr>
                       <a:r>
-                        <a:rPr lang="en-US" sz="2000" kern="0">
+                        <a:rPr lang="en-US" altLang="zh-CN" sz="2000" kern="0" dirty="0">
                           <a:effectLst/>
+                          <a:latin typeface="Times New Roman" panose="02020603050405020304" pitchFamily="18" charset="0"/>
+                          <a:ea typeface="宋体" panose="02010600030101010101" pitchFamily="2" charset="-122"/>
                         </a:rPr>
-                        <a:t>5</a:t>
+                        <a:t>4</a:t>
                       </a:r>
-                      <a:endParaRPr lang="zh-CN" sz="2000" kern="100">
+                      <a:endParaRPr lang="zh-CN" sz="2000" kern="100" dirty="0">
                         <a:effectLst/>
                         <a:latin typeface="Times New Roman" panose="02020603050405020304" pitchFamily="18" charset="0"/>
                         <a:ea typeface="宋体" panose="02010600030101010101" pitchFamily="2" charset="-122"/>
@@ -9825,12 +9829,14 @@
                         </a:spcAft>
                       </a:pPr>
                       <a:r>
-                        <a:rPr lang="en-US" sz="2000" kern="0">
+                        <a:rPr lang="en-US" altLang="zh-CN" sz="2000" kern="0" dirty="0">
                           <a:effectLst/>
+                          <a:latin typeface="Times New Roman" panose="02020603050405020304" pitchFamily="18" charset="0"/>
+                          <a:ea typeface="宋体" panose="02010600030101010101" pitchFamily="2" charset="-122"/>
                         </a:rPr>
-                        <a:t>6</a:t>
+                        <a:t>5</a:t>
                       </a:r>
-                      <a:endParaRPr lang="zh-CN" sz="2000" kern="100">
+                      <a:endParaRPr lang="zh-CN" sz="2000" kern="100" dirty="0">
                         <a:effectLst/>
                         <a:latin typeface="Times New Roman" panose="02020603050405020304" pitchFamily="18" charset="0"/>
                         <a:ea typeface="宋体" panose="02010600030101010101" pitchFamily="2" charset="-122"/>
@@ -9907,10 +9913,12 @@
                         </a:spcAft>
                       </a:pPr>
                       <a:r>
-                        <a:rPr lang="en-US" sz="2000" kern="0">
+                        <a:rPr lang="en-US" altLang="zh-CN" sz="2000" kern="0">
                           <a:effectLst/>
+                          <a:latin typeface="Times New Roman" panose="02020603050405020304" pitchFamily="18" charset="0"/>
+                          <a:ea typeface="宋体" panose="02010600030101010101" pitchFamily="2" charset="-122"/>
                         </a:rPr>
-                        <a:t>7</a:t>
+                        <a:t>6</a:t>
                       </a:r>
                       <a:endParaRPr lang="zh-CN" sz="2000" kern="100">
                         <a:effectLst/>
@@ -10697,13 +10705,18 @@
               <a:t>数据库连接池：</a:t>
             </a:r>
             <a:r>
-              <a:rPr kumimoji="1" lang="en-US" altLang="zh-CN" dirty="0">
+              <a:rPr kumimoji="1" lang="en-US" altLang="zh-CN">
                 <a:solidFill>
                   <a:schemeClr val="bg1"/>
                 </a:solidFill>
               </a:rPr>
-              <a:t>Alibaba Druid 1.0</a:t>
-            </a:r>
+              <a:t>Apache Commons DBCP</a:t>
+            </a:r>
+            <a:endParaRPr kumimoji="1" lang="en-US" altLang="zh-CN" dirty="0">
+              <a:solidFill>
+                <a:schemeClr val="bg1"/>
+              </a:solidFill>
+            </a:endParaRPr>
           </a:p>
         </p:txBody>
       </p:sp>

--- a/paper/xjx/展示.pptx
+++ b/paper/xjx/展示.pptx
@@ -5478,6 +5478,13 @@
       </p:transition>
     </mc:Fallback>
   </mc:AlternateContent>
+  <p:timing>
+    <p:tnLst>
+      <p:par>
+        <p:cTn id="1" dur="indefinite" restart="never" nodeType="tmRoot"/>
+      </p:par>
+    </p:tnLst>
+  </p:timing>
 </p:sld>
 </file>
 
@@ -7352,6 +7359,13 @@
       </p:transition>
     </mc:Fallback>
   </mc:AlternateContent>
+  <p:timing>
+    <p:tnLst>
+      <p:par>
+        <p:cTn id="1" dur="indefinite" restart="never" nodeType="tmRoot"/>
+      </p:par>
+    </p:tnLst>
+  </p:timing>
 </p:sld>
 </file>
 
@@ -10558,6 +10572,13 @@
       </p:transition>
     </mc:Fallback>
   </mc:AlternateContent>
+  <p:timing>
+    <p:tnLst>
+      <p:par>
+        <p:cTn id="1" dur="indefinite" restart="never" nodeType="tmRoot"/>
+      </p:par>
+    </p:tnLst>
+  </p:timing>
 </p:sld>
 </file>
 
@@ -11284,6 +11305,13 @@
       </p:transition>
     </mc:Fallback>
   </mc:AlternateContent>
+  <p:timing>
+    <p:tnLst>
+      <p:par>
+        <p:cTn id="1" dur="indefinite" restart="never" nodeType="tmRoot"/>
+      </p:par>
+    </p:tnLst>
+  </p:timing>
 </p:sld>
 </file>
 
@@ -11485,8 +11513,8 @@
         </p:nvSpPr>
         <p:spPr>
           <a:xfrm>
-            <a:off x="3157728" y="1658112"/>
-            <a:ext cx="6547104" cy="3693319"/>
+            <a:off x="1973765" y="2115312"/>
+            <a:ext cx="8385717" cy="3046988"/>
           </a:xfrm>
           <a:prstGeom prst="rect">
             <a:avLst/>
@@ -11870,6 +11898,13 @@
       </p:transition>
     </mc:Fallback>
   </mc:AlternateContent>
+  <p:timing>
+    <p:tnLst>
+      <p:par>
+        <p:cTn id="1" dur="indefinite" restart="never" nodeType="tmRoot"/>
+      </p:par>
+    </p:tnLst>
+  </p:timing>
 </p:sld>
 </file>
 
@@ -12299,6 +12334,13 @@
       </p:transition>
     </mc:Fallback>
   </mc:AlternateContent>
+  <p:timing>
+    <p:tnLst>
+      <p:par>
+        <p:cTn id="1" dur="indefinite" restart="never" nodeType="tmRoot"/>
+      </p:par>
+    </p:tnLst>
+  </p:timing>
 </p:sld>
 </file>
 
@@ -13283,6 +13325,13 @@
       </p:transition>
     </mc:Fallback>
   </mc:AlternateContent>
+  <p:timing>
+    <p:tnLst>
+      <p:par>
+        <p:cTn id="1" dur="indefinite" restart="never" nodeType="tmRoot"/>
+      </p:par>
+    </p:tnLst>
+  </p:timing>
 </p:sld>
 </file>
 
